--- a/Internal presentation.pptx
+++ b/Internal presentation.pptx
@@ -13339,7 +13339,7 @@
           <a:p>
             <a:r>
               <a:rPr lang="en-US" dirty="0"/>
-              <a:t>Capture word meaning</a:t>
+              <a:t>Capture word relatedness</a:t>
             </a:r>
           </a:p>
           <a:p>
@@ -13429,6 +13429,147 @@
   <p:clrMapOvr>
     <a:masterClrMapping/>
   </p:clrMapOvr>
+  <p:timing>
+    <p:tnLst>
+      <p:par>
+        <p:cTn id="1" dur="indefinite" restart="never" nodeType="tmRoot">
+          <p:childTnLst>
+            <p:seq concurrent="1" nextAc="seek">
+              <p:cTn id="2" dur="indefinite" nodeType="mainSeq">
+                <p:childTnLst>
+                  <p:par>
+                    <p:cTn id="3" fill="hold">
+                      <p:stCondLst>
+                        <p:cond delay="indefinite"/>
+                      </p:stCondLst>
+                      <p:childTnLst>
+                        <p:par>
+                          <p:cTn id="4" fill="hold">
+                            <p:stCondLst>
+                              <p:cond delay="0"/>
+                            </p:stCondLst>
+                            <p:childTnLst>
+                              <p:par>
+                                <p:cTn id="5" presetID="1" presetClass="entr" presetSubtype="0" fill="hold" nodeType="clickEffect">
+                                  <p:stCondLst>
+                                    <p:cond delay="0"/>
+                                  </p:stCondLst>
+                                  <p:childTnLst>
+                                    <p:set>
+                                      <p:cBhvr>
+                                        <p:cTn id="6" dur="1" fill="hold">
+                                          <p:stCondLst>
+                                            <p:cond delay="0"/>
+                                          </p:stCondLst>
+                                        </p:cTn>
+                                        <p:tgtEl>
+                                          <p:spTgt spid="5">
+                                            <p:txEl>
+                                              <p:pRg st="2" end="2"/>
+                                            </p:txEl>
+                                          </p:spTgt>
+                                        </p:tgtEl>
+                                        <p:attrNameLst>
+                                          <p:attrName>style.visibility</p:attrName>
+                                        </p:attrNameLst>
+                                      </p:cBhvr>
+                                      <p:to>
+                                        <p:strVal val="visible"/>
+                                      </p:to>
+                                    </p:set>
+                                  </p:childTnLst>
+                                </p:cTn>
+                              </p:par>
+                              <p:par>
+                                <p:cTn id="7" presetID="1" presetClass="entr" presetSubtype="0" fill="hold" nodeType="withEffect">
+                                  <p:stCondLst>
+                                    <p:cond delay="0"/>
+                                  </p:stCondLst>
+                                  <p:childTnLst>
+                                    <p:set>
+                                      <p:cBhvr>
+                                        <p:cTn id="8" dur="1" fill="hold">
+                                          <p:stCondLst>
+                                            <p:cond delay="0"/>
+                                          </p:stCondLst>
+                                        </p:cTn>
+                                        <p:tgtEl>
+                                          <p:spTgt spid="5">
+                                            <p:txEl>
+                                              <p:pRg st="3" end="3"/>
+                                            </p:txEl>
+                                          </p:spTgt>
+                                        </p:tgtEl>
+                                        <p:attrNameLst>
+                                          <p:attrName>style.visibility</p:attrName>
+                                        </p:attrNameLst>
+                                      </p:cBhvr>
+                                      <p:to>
+                                        <p:strVal val="visible"/>
+                                      </p:to>
+                                    </p:set>
+                                  </p:childTnLst>
+                                </p:cTn>
+                              </p:par>
+                              <p:par>
+                                <p:cTn id="9" presetID="1" presetClass="entr" presetSubtype="0" fill="hold" nodeType="withEffect">
+                                  <p:stCondLst>
+                                    <p:cond delay="0"/>
+                                  </p:stCondLst>
+                                  <p:childTnLst>
+                                    <p:set>
+                                      <p:cBhvr>
+                                        <p:cTn id="10" dur="1" fill="hold">
+                                          <p:stCondLst>
+                                            <p:cond delay="0"/>
+                                          </p:stCondLst>
+                                        </p:cTn>
+                                        <p:tgtEl>
+                                          <p:spTgt spid="5">
+                                            <p:txEl>
+                                              <p:pRg st="4" end="4"/>
+                                            </p:txEl>
+                                          </p:spTgt>
+                                        </p:tgtEl>
+                                        <p:attrNameLst>
+                                          <p:attrName>style.visibility</p:attrName>
+                                        </p:attrNameLst>
+                                      </p:cBhvr>
+                                      <p:to>
+                                        <p:strVal val="visible"/>
+                                      </p:to>
+                                    </p:set>
+                                  </p:childTnLst>
+                                </p:cTn>
+                              </p:par>
+                            </p:childTnLst>
+                          </p:cTn>
+                        </p:par>
+                      </p:childTnLst>
+                    </p:cTn>
+                  </p:par>
+                </p:childTnLst>
+              </p:cTn>
+              <p:prevCondLst>
+                <p:cond evt="onPrev" delay="0">
+                  <p:tgtEl>
+                    <p:sldTgt/>
+                  </p:tgtEl>
+                </p:cond>
+              </p:prevCondLst>
+              <p:nextCondLst>
+                <p:cond evt="onNext" delay="0">
+                  <p:tgtEl>
+                    <p:sldTgt/>
+                  </p:tgtEl>
+                </p:cond>
+              </p:nextCondLst>
+            </p:seq>
+          </p:childTnLst>
+        </p:cTn>
+      </p:par>
+    </p:tnLst>
+  </p:timing>
 </p:sld>
 </file>
 
@@ -13602,6 +13743,196 @@
   <p:clrMapOvr>
     <a:masterClrMapping/>
   </p:clrMapOvr>
+  <p:timing>
+    <p:tnLst>
+      <p:par>
+        <p:cTn id="1" dur="indefinite" restart="never" nodeType="tmRoot">
+          <p:childTnLst>
+            <p:seq concurrent="1" nextAc="seek">
+              <p:cTn id="2" dur="indefinite" nodeType="mainSeq">
+                <p:childTnLst>
+                  <p:par>
+                    <p:cTn id="3" fill="hold">
+                      <p:stCondLst>
+                        <p:cond delay="indefinite"/>
+                      </p:stCondLst>
+                      <p:childTnLst>
+                        <p:par>
+                          <p:cTn id="4" fill="hold">
+                            <p:stCondLst>
+                              <p:cond delay="0"/>
+                            </p:stCondLst>
+                            <p:childTnLst>
+                              <p:par>
+                                <p:cTn id="5" presetID="1" presetClass="entr" presetSubtype="0" fill="hold" nodeType="clickEffect">
+                                  <p:stCondLst>
+                                    <p:cond delay="0"/>
+                                  </p:stCondLst>
+                                  <p:childTnLst>
+                                    <p:set>
+                                      <p:cBhvr>
+                                        <p:cTn id="6" dur="1" fill="hold">
+                                          <p:stCondLst>
+                                            <p:cond delay="0"/>
+                                          </p:stCondLst>
+                                        </p:cTn>
+                                        <p:tgtEl>
+                                          <p:spTgt spid="7">
+                                            <p:txEl>
+                                              <p:pRg st="0" end="0"/>
+                                            </p:txEl>
+                                          </p:spTgt>
+                                        </p:tgtEl>
+                                        <p:attrNameLst>
+                                          <p:attrName>style.visibility</p:attrName>
+                                        </p:attrNameLst>
+                                      </p:cBhvr>
+                                      <p:to>
+                                        <p:strVal val="visible"/>
+                                      </p:to>
+                                    </p:set>
+                                  </p:childTnLst>
+                                </p:cTn>
+                              </p:par>
+                              <p:par>
+                                <p:cTn id="7" presetID="1" presetClass="entr" presetSubtype="0" fill="hold" nodeType="withEffect">
+                                  <p:stCondLst>
+                                    <p:cond delay="0"/>
+                                  </p:stCondLst>
+                                  <p:childTnLst>
+                                    <p:set>
+                                      <p:cBhvr>
+                                        <p:cTn id="8" dur="1" fill="hold">
+                                          <p:stCondLst>
+                                            <p:cond delay="0"/>
+                                          </p:stCondLst>
+                                        </p:cTn>
+                                        <p:tgtEl>
+                                          <p:spTgt spid="7">
+                                            <p:txEl>
+                                              <p:pRg st="1" end="1"/>
+                                            </p:txEl>
+                                          </p:spTgt>
+                                        </p:tgtEl>
+                                        <p:attrNameLst>
+                                          <p:attrName>style.visibility</p:attrName>
+                                        </p:attrNameLst>
+                                      </p:cBhvr>
+                                      <p:to>
+                                        <p:strVal val="visible"/>
+                                      </p:to>
+                                    </p:set>
+                                  </p:childTnLst>
+                                </p:cTn>
+                              </p:par>
+                              <p:par>
+                                <p:cTn id="9" presetID="1" presetClass="entr" presetSubtype="0" fill="hold" nodeType="withEffect">
+                                  <p:stCondLst>
+                                    <p:cond delay="0"/>
+                                  </p:stCondLst>
+                                  <p:childTnLst>
+                                    <p:set>
+                                      <p:cBhvr>
+                                        <p:cTn id="10" dur="1" fill="hold">
+                                          <p:stCondLst>
+                                            <p:cond delay="0"/>
+                                          </p:stCondLst>
+                                        </p:cTn>
+                                        <p:tgtEl>
+                                          <p:spTgt spid="7">
+                                            <p:txEl>
+                                              <p:pRg st="2" end="2"/>
+                                            </p:txEl>
+                                          </p:spTgt>
+                                        </p:tgtEl>
+                                        <p:attrNameLst>
+                                          <p:attrName>style.visibility</p:attrName>
+                                        </p:attrNameLst>
+                                      </p:cBhvr>
+                                      <p:to>
+                                        <p:strVal val="visible"/>
+                                      </p:to>
+                                    </p:set>
+                                  </p:childTnLst>
+                                </p:cTn>
+                              </p:par>
+                            </p:childTnLst>
+                          </p:cTn>
+                        </p:par>
+                      </p:childTnLst>
+                    </p:cTn>
+                  </p:par>
+                  <p:par>
+                    <p:cTn id="11" fill="hold">
+                      <p:stCondLst>
+                        <p:cond delay="indefinite"/>
+                      </p:stCondLst>
+                      <p:childTnLst>
+                        <p:par>
+                          <p:cTn id="12" fill="hold">
+                            <p:stCondLst>
+                              <p:cond delay="0"/>
+                            </p:stCondLst>
+                            <p:childTnLst>
+                              <p:par>
+                                <p:cTn id="13" presetID="1" presetClass="entr" presetSubtype="0" fill="hold" nodeType="clickEffect">
+                                  <p:stCondLst>
+                                    <p:cond delay="0"/>
+                                  </p:stCondLst>
+                                  <p:childTnLst>
+                                    <p:set>
+                                      <p:cBhvr>
+                                        <p:cTn id="14" dur="1" fill="hold">
+                                          <p:stCondLst>
+                                            <p:cond delay="0"/>
+                                          </p:stCondLst>
+                                        </p:cTn>
+                                        <p:tgtEl>
+                                          <p:spTgt spid="7">
+                                            <p:txEl>
+                                              <p:pRg st="4" end="4"/>
+                                            </p:txEl>
+                                          </p:spTgt>
+                                        </p:tgtEl>
+                                        <p:attrNameLst>
+                                          <p:attrName>style.visibility</p:attrName>
+                                        </p:attrNameLst>
+                                      </p:cBhvr>
+                                      <p:to>
+                                        <p:strVal val="visible"/>
+                                      </p:to>
+                                    </p:set>
+                                  </p:childTnLst>
+                                </p:cTn>
+                              </p:par>
+                            </p:childTnLst>
+                          </p:cTn>
+                        </p:par>
+                      </p:childTnLst>
+                    </p:cTn>
+                  </p:par>
+                </p:childTnLst>
+              </p:cTn>
+              <p:prevCondLst>
+                <p:cond evt="onPrev" delay="0">
+                  <p:tgtEl>
+                    <p:sldTgt/>
+                  </p:tgtEl>
+                </p:cond>
+              </p:prevCondLst>
+              <p:nextCondLst>
+                <p:cond evt="onNext" delay="0">
+                  <p:tgtEl>
+                    <p:sldTgt/>
+                  </p:tgtEl>
+                </p:cond>
+              </p:nextCondLst>
+            </p:seq>
+          </p:childTnLst>
+        </p:cTn>
+      </p:par>
+    </p:tnLst>
+  </p:timing>
 </p:sld>
 </file>
 
@@ -14324,6 +14655,235 @@
   <p:clrMapOvr>
     <a:masterClrMapping/>
   </p:clrMapOvr>
+  <p:timing>
+    <p:tnLst>
+      <p:par>
+        <p:cTn id="1" dur="indefinite" restart="never" nodeType="tmRoot">
+          <p:childTnLst>
+            <p:seq concurrent="1" nextAc="seek">
+              <p:cTn id="2" dur="indefinite" nodeType="mainSeq">
+                <p:childTnLst>
+                  <p:par>
+                    <p:cTn id="3" fill="hold">
+                      <p:stCondLst>
+                        <p:cond delay="indefinite"/>
+                      </p:stCondLst>
+                      <p:childTnLst>
+                        <p:par>
+                          <p:cTn id="4" fill="hold">
+                            <p:stCondLst>
+                              <p:cond delay="0"/>
+                            </p:stCondLst>
+                            <p:childTnLst>
+                              <p:par>
+                                <p:cTn id="5" presetID="1" presetClass="entr" presetSubtype="0" fill="hold" grpId="0" nodeType="clickEffect">
+                                  <p:stCondLst>
+                                    <p:cond delay="0"/>
+                                  </p:stCondLst>
+                                  <p:childTnLst>
+                                    <p:set>
+                                      <p:cBhvr>
+                                        <p:cTn id="6" dur="1" fill="hold">
+                                          <p:stCondLst>
+                                            <p:cond delay="0"/>
+                                          </p:stCondLst>
+                                        </p:cTn>
+                                        <p:tgtEl>
+                                          <p:spTgt spid="3">
+                                            <p:txEl>
+                                              <p:pRg st="0" end="0"/>
+                                            </p:txEl>
+                                          </p:spTgt>
+                                        </p:tgtEl>
+                                        <p:attrNameLst>
+                                          <p:attrName>style.visibility</p:attrName>
+                                        </p:attrNameLst>
+                                      </p:cBhvr>
+                                      <p:to>
+                                        <p:strVal val="visible"/>
+                                      </p:to>
+                                    </p:set>
+                                  </p:childTnLst>
+                                </p:cTn>
+                              </p:par>
+                            </p:childTnLst>
+                          </p:cTn>
+                        </p:par>
+                      </p:childTnLst>
+                    </p:cTn>
+                  </p:par>
+                  <p:par>
+                    <p:cTn id="7" fill="hold">
+                      <p:stCondLst>
+                        <p:cond delay="indefinite"/>
+                      </p:stCondLst>
+                      <p:childTnLst>
+                        <p:par>
+                          <p:cTn id="8" fill="hold">
+                            <p:stCondLst>
+                              <p:cond delay="0"/>
+                            </p:stCondLst>
+                            <p:childTnLst>
+                              <p:par>
+                                <p:cTn id="9" presetID="1" presetClass="entr" presetSubtype="0" fill="hold" grpId="0" nodeType="clickEffect">
+                                  <p:stCondLst>
+                                    <p:cond delay="0"/>
+                                  </p:stCondLst>
+                                  <p:childTnLst>
+                                    <p:set>
+                                      <p:cBhvr>
+                                        <p:cTn id="10" dur="1" fill="hold">
+                                          <p:stCondLst>
+                                            <p:cond delay="0"/>
+                                          </p:stCondLst>
+                                        </p:cTn>
+                                        <p:tgtEl>
+                                          <p:spTgt spid="3">
+                                            <p:txEl>
+                                              <p:pRg st="1" end="1"/>
+                                            </p:txEl>
+                                          </p:spTgt>
+                                        </p:tgtEl>
+                                        <p:attrNameLst>
+                                          <p:attrName>style.visibility</p:attrName>
+                                        </p:attrNameLst>
+                                      </p:cBhvr>
+                                      <p:to>
+                                        <p:strVal val="visible"/>
+                                      </p:to>
+                                    </p:set>
+                                  </p:childTnLst>
+                                </p:cTn>
+                              </p:par>
+                            </p:childTnLst>
+                          </p:cTn>
+                        </p:par>
+                      </p:childTnLst>
+                    </p:cTn>
+                  </p:par>
+                  <p:par>
+                    <p:cTn id="11" fill="hold">
+                      <p:stCondLst>
+                        <p:cond delay="indefinite"/>
+                      </p:stCondLst>
+                      <p:childTnLst>
+                        <p:par>
+                          <p:cTn id="12" fill="hold">
+                            <p:stCondLst>
+                              <p:cond delay="0"/>
+                            </p:stCondLst>
+                            <p:childTnLst>
+                              <p:par>
+                                <p:cTn id="13" presetID="1" presetClass="entr" presetSubtype="0" fill="hold" grpId="0" nodeType="clickEffect">
+                                  <p:stCondLst>
+                                    <p:cond delay="0"/>
+                                  </p:stCondLst>
+                                  <p:childTnLst>
+                                    <p:set>
+                                      <p:cBhvr>
+                                        <p:cTn id="14" dur="1" fill="hold">
+                                          <p:stCondLst>
+                                            <p:cond delay="0"/>
+                                          </p:stCondLst>
+                                        </p:cTn>
+                                        <p:tgtEl>
+                                          <p:spTgt spid="3">
+                                            <p:txEl>
+                                              <p:pRg st="2" end="2"/>
+                                            </p:txEl>
+                                          </p:spTgt>
+                                        </p:tgtEl>
+                                        <p:attrNameLst>
+                                          <p:attrName>style.visibility</p:attrName>
+                                        </p:attrNameLst>
+                                      </p:cBhvr>
+                                      <p:to>
+                                        <p:strVal val="visible"/>
+                                      </p:to>
+                                    </p:set>
+                                  </p:childTnLst>
+                                </p:cTn>
+                              </p:par>
+                            </p:childTnLst>
+                          </p:cTn>
+                        </p:par>
+                      </p:childTnLst>
+                    </p:cTn>
+                  </p:par>
+                  <p:par>
+                    <p:cTn id="15" fill="hold">
+                      <p:stCondLst>
+                        <p:cond delay="indefinite"/>
+                      </p:stCondLst>
+                      <p:childTnLst>
+                        <p:par>
+                          <p:cTn id="16" fill="hold">
+                            <p:stCondLst>
+                              <p:cond delay="0"/>
+                            </p:stCondLst>
+                            <p:childTnLst>
+                              <p:par>
+                                <p:cTn id="17" presetID="1" presetClass="entr" presetSubtype="0" fill="hold" grpId="0" nodeType="clickEffect">
+                                  <p:stCondLst>
+                                    <p:cond delay="0"/>
+                                  </p:stCondLst>
+                                  <p:childTnLst>
+                                    <p:set>
+                                      <p:cBhvr>
+                                        <p:cTn id="18" dur="1" fill="hold">
+                                          <p:stCondLst>
+                                            <p:cond delay="0"/>
+                                          </p:stCondLst>
+                                        </p:cTn>
+                                        <p:tgtEl>
+                                          <p:spTgt spid="3">
+                                            <p:txEl>
+                                              <p:pRg st="3" end="3"/>
+                                            </p:txEl>
+                                          </p:spTgt>
+                                        </p:tgtEl>
+                                        <p:attrNameLst>
+                                          <p:attrName>style.visibility</p:attrName>
+                                        </p:attrNameLst>
+                                      </p:cBhvr>
+                                      <p:to>
+                                        <p:strVal val="visible"/>
+                                      </p:to>
+                                    </p:set>
+                                  </p:childTnLst>
+                                </p:cTn>
+                              </p:par>
+                            </p:childTnLst>
+                          </p:cTn>
+                        </p:par>
+                      </p:childTnLst>
+                    </p:cTn>
+                  </p:par>
+                </p:childTnLst>
+              </p:cTn>
+              <p:prevCondLst>
+                <p:cond evt="onPrev" delay="0">
+                  <p:tgtEl>
+                    <p:sldTgt/>
+                  </p:tgtEl>
+                </p:cond>
+              </p:prevCondLst>
+              <p:nextCondLst>
+                <p:cond evt="onNext" delay="0">
+                  <p:tgtEl>
+                    <p:sldTgt/>
+                  </p:tgtEl>
+                </p:cond>
+              </p:nextCondLst>
+            </p:seq>
+          </p:childTnLst>
+        </p:cTn>
+      </p:par>
+    </p:tnLst>
+    <p:bldLst>
+      <p:bldP spid="3" grpId="0" build="p"/>
+    </p:bldLst>
+  </p:timing>
 </p:sld>
 </file>
 
@@ -16390,18 +16950,18 @@
 </file>
 
 <file path=customXml/item2.xml><?xml version="1.0" encoding="utf-8"?>
+<p:properties xmlns:p="http://schemas.microsoft.com/office/2006/metadata/properties" xmlns:xsi="http://www.w3.org/2001/XMLSchema-instance" xmlns:pc="http://schemas.microsoft.com/office/infopath/2007/PartnerControls">
+  <documentManagement/>
+</p:properties>
+</file>
+
+<file path=customXml/item3.xml><?xml version="1.0" encoding="utf-8"?>
 <?mso-contentType ?>
 <FormTemplates xmlns="http://schemas.microsoft.com/sharepoint/v3/contenttype/forms">
   <Display>DocumentLibraryForm</Display>
   <Edit>DocumentLibraryForm</Edit>
   <New>DocumentLibraryForm</New>
 </FormTemplates>
-</file>
-
-<file path=customXml/item3.xml><?xml version="1.0" encoding="utf-8"?>
-<p:properties xmlns:p="http://schemas.microsoft.com/office/2006/metadata/properties" xmlns:xsi="http://www.w3.org/2001/XMLSchema-instance" xmlns:pc="http://schemas.microsoft.com/office/infopath/2007/PartnerControls">
-  <documentManagement/>
-</p:properties>
 </file>
 
 <file path=customXml/itemProps1.xml><?xml version="1.0" encoding="utf-8"?>
@@ -16421,18 +16981,18 @@
 </file>
 
 <file path=customXml/itemProps2.xml><?xml version="1.0" encoding="utf-8"?>
-<ds:datastoreItem xmlns:ds="http://schemas.openxmlformats.org/officeDocument/2006/customXml" ds:itemID="{FEE940DE-66C7-443A-8F4F-01FEE1EB09CD}">
-  <ds:schemaRefs>
-    <ds:schemaRef ds:uri="http://schemas.microsoft.com/sharepoint/v3/contenttype/forms"/>
-  </ds:schemaRefs>
-</ds:datastoreItem>
-</file>
-
-<file path=customXml/itemProps3.xml><?xml version="1.0" encoding="utf-8"?>
 <ds:datastoreItem xmlns:ds="http://schemas.openxmlformats.org/officeDocument/2006/customXml" ds:itemID="{2B8303DC-E8CF-4652-A65C-FBE79F3C9228}">
   <ds:schemaRefs>
     <ds:schemaRef ds:uri="http://schemas.microsoft.com/office/2006/metadata/properties"/>
     <ds:schemaRef ds:uri="http://schemas.microsoft.com/office/infopath/2007/PartnerControls"/>
   </ds:schemaRefs>
 </ds:datastoreItem>
+</file>
+
+<file path=customXml/itemProps3.xml><?xml version="1.0" encoding="utf-8"?>
+<ds:datastoreItem xmlns:ds="http://schemas.openxmlformats.org/officeDocument/2006/customXml" ds:itemID="{FEE940DE-66C7-443A-8F4F-01FEE1EB09CD}">
+  <ds:schemaRefs>
+    <ds:schemaRef ds:uri="http://schemas.microsoft.com/sharepoint/v3/contenttype/forms"/>
+  </ds:schemaRefs>
+</ds:datastoreItem>
 </file>
--- a/Internal presentation.pptx
+++ b/Internal presentation.pptx
@@ -10,18 +10,19 @@
     <p:sldMasterId id="2147483692" r:id="rId9"/>
   </p:sldMasterIdLst>
   <p:notesMasterIdLst>
-    <p:notesMasterId r:id="rId19"/>
+    <p:notesMasterId r:id="rId20"/>
   </p:notesMasterIdLst>
   <p:sldIdLst>
     <p:sldId id="261" r:id="rId10"/>
     <p:sldId id="262" r:id="rId11"/>
     <p:sldId id="281" r:id="rId12"/>
-    <p:sldId id="263" r:id="rId13"/>
-    <p:sldId id="292" r:id="rId14"/>
-    <p:sldId id="293" r:id="rId15"/>
-    <p:sldId id="294" r:id="rId16"/>
-    <p:sldId id="296" r:id="rId17"/>
-    <p:sldId id="295" r:id="rId18"/>
+    <p:sldId id="297" r:id="rId13"/>
+    <p:sldId id="263" r:id="rId14"/>
+    <p:sldId id="292" r:id="rId15"/>
+    <p:sldId id="293" r:id="rId16"/>
+    <p:sldId id="294" r:id="rId17"/>
+    <p:sldId id="296" r:id="rId18"/>
+    <p:sldId id="295" r:id="rId19"/>
   </p:sldIdLst>
   <p:sldSz cx="9144000" cy="5143500" type="screen16x9"/>
   <p:notesSz cx="6858000" cy="9144000"/>
@@ -224,7 +225,7 @@
           <a:p>
             <a:fld id="{719DD4CF-C917-4D69-9374-6EFF2E9F78C3}" type="datetimeFigureOut">
               <a:rPr lang="de-DE" smtClean="0"/>
-              <a:t>22.06.18</a:t>
+              <a:t>25.06.18</a:t>
             </a:fld>
             <a:endParaRPr lang="de-DE"/>
           </a:p>
@@ -739,25 +740,28 @@
           <a:lstStyle/>
           <a:p>
             <a:r>
-              <a:rPr lang="en-US" dirty="0"/>
-              <a:t>LIME: Elsevier</a:t>
-            </a:r>
-          </a:p>
-          <a:p>
-            <a:r>
-              <a:rPr lang="en-US" dirty="0"/>
-              <a:t>Blue: </a:t>
-            </a:r>
-            <a:r>
-              <a:rPr lang="en-US" dirty="0" err="1"/>
-              <a:t>Springer_Nature</a:t>
-            </a:r>
-            <a:endParaRPr lang="en-US" dirty="0"/>
-          </a:p>
-          <a:p>
-            <a:r>
-              <a:rPr lang="en-US" dirty="0"/>
-              <a:t>Red: Wiley</a:t>
+              <a:rPr lang="de-DE" dirty="0"/>
+              <a:t>Ranking, Rank Distribution &amp; F1-scores</a:t>
+            </a:r>
+          </a:p>
+          <a:p>
+            <a:r>
+              <a:rPr lang="de-DE" dirty="0"/>
+              <a:t>TF-IDF </a:t>
+            </a:r>
+            <a:r>
+              <a:rPr lang="de-DE" dirty="0" err="1"/>
+              <a:t>weighted</a:t>
+            </a:r>
+            <a:r>
+              <a:rPr lang="de-DE" dirty="0"/>
+              <a:t>, 10K, 5K, 1-6K</a:t>
+            </a:r>
+          </a:p>
+          <a:p>
+            <a:r>
+              <a:rPr lang="de-DE" dirty="0"/>
+              <a:t>10K_10K, 10K_5K, 5K_5K</a:t>
             </a:r>
           </a:p>
         </p:txBody>
@@ -779,7 +783,7 @@
           <a:p>
             <a:fld id="{A7443C7B-F938-4CE9-A268-32817172635B}" type="slidenum">
               <a:rPr lang="de-DE" smtClean="0"/>
-              <a:t>6</a:t>
+              <a:t>4</a:t>
             </a:fld>
             <a:endParaRPr lang="de-DE"/>
           </a:p>
@@ -788,7 +792,7 @@
     </p:spTree>
     <p:extLst>
       <p:ext uri="{BB962C8B-B14F-4D97-AF65-F5344CB8AC3E}">
-        <p14:creationId xmlns:p14="http://schemas.microsoft.com/office/powerpoint/2010/main" val="1131983393"/>
+        <p14:creationId xmlns:p14="http://schemas.microsoft.com/office/powerpoint/2010/main" val="2699477950"/>
       </p:ext>
     </p:extLst>
   </p:cSld>
@@ -844,31 +848,24 @@
           <a:p>
             <a:r>
               <a:rPr lang="en-US" dirty="0"/>
-              <a:t>SAGE open: social and behavioral sciences and humanities</a:t>
+              <a:t>LIME: Elsevier</a:t>
             </a:r>
           </a:p>
           <a:p>
             <a:r>
               <a:rPr lang="en-US" dirty="0"/>
-              <a:t>RSC Advances: chemical sciences</a:t>
-            </a:r>
-          </a:p>
-          <a:p>
+              <a:t>Blue: </a:t>
+            </a:r>
             <a:r>
               <a:rPr lang="en-US" dirty="0" err="1"/>
-              <a:t>Orvosi</a:t>
-            </a:r>
+              <a:t>Springer_Nature</a:t>
+            </a:r>
+            <a:endParaRPr lang="en-US" dirty="0"/>
+          </a:p>
+          <a:p>
             <a:r>
               <a:rPr lang="en-US" dirty="0"/>
-              <a:t> </a:t>
-            </a:r>
-            <a:r>
-              <a:rPr lang="en-US" dirty="0" err="1"/>
-              <a:t>hetilap</a:t>
-            </a:r>
-            <a:r>
-              <a:rPr lang="en-US" dirty="0"/>
-              <a:t>: experimental and clinical medicine</a:t>
+              <a:t>Red: Wiley</a:t>
             </a:r>
           </a:p>
         </p:txBody>
@@ -891,6 +888,117 @@
             <a:fld id="{A7443C7B-F938-4CE9-A268-32817172635B}" type="slidenum">
               <a:rPr lang="de-DE" smtClean="0"/>
               <a:t>7</a:t>
+            </a:fld>
+            <a:endParaRPr lang="de-DE"/>
+          </a:p>
+        </p:txBody>
+      </p:sp>
+    </p:spTree>
+    <p:extLst>
+      <p:ext uri="{BB962C8B-B14F-4D97-AF65-F5344CB8AC3E}">
+        <p14:creationId xmlns:p14="http://schemas.microsoft.com/office/powerpoint/2010/main" val="1131983393"/>
+      </p:ext>
+    </p:extLst>
+  </p:cSld>
+  <p:clrMapOvr>
+    <a:masterClrMapping/>
+  </p:clrMapOvr>
+</p:notes>
+</file>
+
+<file path=ppt/notesSlides/notesSlide5.xml><?xml version="1.0" encoding="utf-8"?>
+<p:notes xmlns:a="http://schemas.openxmlformats.org/drawingml/2006/main" xmlns:r="http://schemas.openxmlformats.org/officeDocument/2006/relationships" xmlns:p="http://schemas.openxmlformats.org/presentationml/2006/main">
+  <p:cSld>
+    <p:spTree>
+      <p:nvGrpSpPr>
+        <p:cNvPr id="1" name=""/>
+        <p:cNvGrpSpPr/>
+        <p:nvPr/>
+      </p:nvGrpSpPr>
+      <p:grpSpPr>
+        <a:xfrm>
+          <a:off x="0" y="0"/>
+          <a:ext cx="0" cy="0"/>
+          <a:chOff x="0" y="0"/>
+          <a:chExt cx="0" cy="0"/>
+        </a:xfrm>
+      </p:grpSpPr>
+      <p:sp>
+        <p:nvSpPr>
+          <p:cNvPr id="2" name="Slide Image Placeholder 1"/>
+          <p:cNvSpPr>
+            <a:spLocks noGrp="1" noRot="1" noChangeAspect="1"/>
+          </p:cNvSpPr>
+          <p:nvPr>
+            <p:ph type="sldImg"/>
+          </p:nvPr>
+        </p:nvSpPr>
+        <p:spPr/>
+      </p:sp>
+      <p:sp>
+        <p:nvSpPr>
+          <p:cNvPr id="3" name="Notes Placeholder 2"/>
+          <p:cNvSpPr>
+            <a:spLocks noGrp="1"/>
+          </p:cNvSpPr>
+          <p:nvPr>
+            <p:ph type="body" idx="1"/>
+          </p:nvPr>
+        </p:nvSpPr>
+        <p:spPr/>
+        <p:txBody>
+          <a:bodyPr/>
+          <a:lstStyle/>
+          <a:p>
+            <a:r>
+              <a:rPr lang="en-US" dirty="0"/>
+              <a:t>SAGE open: social and behavioral sciences and humanities</a:t>
+            </a:r>
+          </a:p>
+          <a:p>
+            <a:r>
+              <a:rPr lang="en-US" dirty="0"/>
+              <a:t>RSC Advances: chemical sciences</a:t>
+            </a:r>
+          </a:p>
+          <a:p>
+            <a:r>
+              <a:rPr lang="en-US" dirty="0" err="1"/>
+              <a:t>Orvosi</a:t>
+            </a:r>
+            <a:r>
+              <a:rPr lang="en-US" dirty="0"/>
+              <a:t> </a:t>
+            </a:r>
+            <a:r>
+              <a:rPr lang="en-US" dirty="0" err="1"/>
+              <a:t>hetilap</a:t>
+            </a:r>
+            <a:r>
+              <a:rPr lang="en-US" dirty="0"/>
+              <a:t>: experimental and clinical medicine</a:t>
+            </a:r>
+          </a:p>
+        </p:txBody>
+      </p:sp>
+      <p:sp>
+        <p:nvSpPr>
+          <p:cNvPr id="4" name="Slide Number Placeholder 3"/>
+          <p:cNvSpPr>
+            <a:spLocks noGrp="1"/>
+          </p:cNvSpPr>
+          <p:nvPr>
+            <p:ph type="sldNum" sz="quarter" idx="10"/>
+          </p:nvPr>
+        </p:nvSpPr>
+        <p:spPr/>
+        <p:txBody>
+          <a:bodyPr/>
+          <a:lstStyle/>
+          <a:p>
+            <a:fld id="{A7443C7B-F938-4CE9-A268-32817172635B}" type="slidenum">
+              <a:rPr lang="de-DE" smtClean="0"/>
+              <a:t>8</a:t>
             </a:fld>
             <a:endParaRPr lang="de-DE"/>
           </a:p>
@@ -1493,7 +1601,7 @@
             <a:fld id="{37FFCD0F-6FD7-423A-A678-0AA8290E11CF}" type="datetimeFigureOut">
               <a:rPr lang="de-DE" smtClean="0"/>
               <a:pPr/>
-              <a:t>22.06.18</a:t>
+              <a:t>25.06.18</a:t>
             </a:fld>
             <a:endParaRPr lang="de-DE" dirty="0"/>
           </a:p>
@@ -1917,7 +2025,7 @@
             <a:fld id="{37FFCD0F-6FD7-423A-A678-0AA8290E11CF}" type="datetimeFigureOut">
               <a:rPr lang="de-DE" smtClean="0"/>
               <a:pPr/>
-              <a:t>22.06.18</a:t>
+              <a:t>25.06.18</a:t>
             </a:fld>
             <a:endParaRPr lang="de-DE" dirty="0"/>
           </a:p>
@@ -2318,7 +2426,7 @@
             <a:fld id="{37FFCD0F-6FD7-423A-A678-0AA8290E11CF}" type="datetimeFigureOut">
               <a:rPr lang="de-DE" smtClean="0"/>
               <a:pPr/>
-              <a:t>22.06.18</a:t>
+              <a:t>25.06.18</a:t>
             </a:fld>
             <a:endParaRPr lang="de-DE" dirty="0"/>
           </a:p>
@@ -2576,7 +2684,7 @@
             <a:fld id="{37FFCD0F-6FD7-423A-A678-0AA8290E11CF}" type="datetimeFigureOut">
               <a:rPr lang="de-DE" smtClean="0"/>
               <a:pPr/>
-              <a:t>22.06.18</a:t>
+              <a:t>25.06.18</a:t>
             </a:fld>
             <a:endParaRPr lang="de-DE" dirty="0"/>
           </a:p>
@@ -2834,7 +2942,7 @@
             <a:fld id="{37FFCD0F-6FD7-423A-A678-0AA8290E11CF}" type="datetimeFigureOut">
               <a:rPr lang="de-DE" smtClean="0"/>
               <a:pPr/>
-              <a:t>22.06.18</a:t>
+              <a:t>25.06.18</a:t>
             </a:fld>
             <a:endParaRPr lang="de-DE" dirty="0"/>
           </a:p>
@@ -3452,7 +3560,7 @@
             <a:fld id="{37FFCD0F-6FD7-423A-A678-0AA8290E11CF}" type="datetimeFigureOut">
               <a:rPr lang="de-DE" smtClean="0"/>
               <a:pPr/>
-              <a:t>22.06.18</a:t>
+              <a:t>25.06.18</a:t>
             </a:fld>
             <a:endParaRPr lang="de-DE" dirty="0"/>
           </a:p>
@@ -3710,7 +3818,7 @@
             <a:fld id="{37FFCD0F-6FD7-423A-A678-0AA8290E11CF}" type="datetimeFigureOut">
               <a:rPr lang="de-DE" smtClean="0"/>
               <a:pPr/>
-              <a:t>22.06.18</a:t>
+              <a:t>25.06.18</a:t>
             </a:fld>
             <a:endParaRPr lang="de-DE" dirty="0"/>
           </a:p>
@@ -4116,7 +4224,7 @@
             <a:fld id="{37FFCD0F-6FD7-423A-A678-0AA8290E11CF}" type="datetimeFigureOut">
               <a:rPr lang="de-DE" smtClean="0"/>
               <a:pPr/>
-              <a:t>22.06.18</a:t>
+              <a:t>25.06.18</a:t>
             </a:fld>
             <a:endParaRPr lang="de-DE" dirty="0"/>
           </a:p>
@@ -4374,7 +4482,7 @@
             <a:fld id="{37FFCD0F-6FD7-423A-A678-0AA8290E11CF}" type="datetimeFigureOut">
               <a:rPr lang="de-DE" smtClean="0"/>
               <a:pPr/>
-              <a:t>22.06.18</a:t>
+              <a:t>25.06.18</a:t>
             </a:fld>
             <a:endParaRPr lang="de-DE" dirty="0"/>
           </a:p>
@@ -5160,7 +5268,7 @@
             <a:fld id="{37FFCD0F-6FD7-423A-A678-0AA8290E11CF}" type="datetimeFigureOut">
               <a:rPr lang="de-DE" smtClean="0"/>
               <a:pPr/>
-              <a:t>22.06.18</a:t>
+              <a:t>25.06.18</a:t>
             </a:fld>
             <a:endParaRPr lang="de-DE" dirty="0"/>
           </a:p>
@@ -5418,7 +5526,7 @@
             <a:fld id="{37FFCD0F-6FD7-423A-A678-0AA8290E11CF}" type="datetimeFigureOut">
               <a:rPr lang="de-DE" smtClean="0"/>
               <a:pPr/>
-              <a:t>22.06.18</a:t>
+              <a:t>25.06.18</a:t>
             </a:fld>
             <a:endParaRPr lang="de-DE" dirty="0"/>
           </a:p>
@@ -5832,7 +5940,7 @@
             <a:fld id="{37FFCD0F-6FD7-423A-A678-0AA8290E11CF}" type="datetimeFigureOut">
               <a:rPr lang="de-DE" smtClean="0"/>
               <a:pPr/>
-              <a:t>22.06.18</a:t>
+              <a:t>25.06.18</a:t>
             </a:fld>
             <a:endParaRPr lang="de-DE" dirty="0"/>
           </a:p>
@@ -6106,7 +6214,7 @@
             <a:fld id="{37FFCD0F-6FD7-423A-A678-0AA8290E11CF}" type="datetimeFigureOut">
               <a:rPr lang="de-DE" smtClean="0"/>
               <a:pPr/>
-              <a:t>22.06.18</a:t>
+              <a:t>25.06.18</a:t>
             </a:fld>
             <a:endParaRPr lang="de-DE" dirty="0"/>
           </a:p>
@@ -6520,7 +6628,7 @@
             <a:fld id="{37FFCD0F-6FD7-423A-A678-0AA8290E11CF}" type="datetimeFigureOut">
               <a:rPr lang="de-DE" smtClean="0"/>
               <a:pPr/>
-              <a:t>22.06.18</a:t>
+              <a:t>25.06.18</a:t>
             </a:fld>
             <a:endParaRPr lang="de-DE" dirty="0"/>
           </a:p>
@@ -6801,7 +6909,7 @@
             <a:fld id="{37FFCD0F-6FD7-423A-A678-0AA8290E11CF}" type="datetimeFigureOut">
               <a:rPr lang="de-DE" smtClean="0"/>
               <a:pPr/>
-              <a:t>22.06.18</a:t>
+              <a:t>25.06.18</a:t>
             </a:fld>
             <a:endParaRPr lang="de-DE" dirty="0"/>
           </a:p>
@@ -7454,7 +7562,7 @@
             <a:fld id="{37FFCD0F-6FD7-423A-A678-0AA8290E11CF}" type="datetimeFigureOut">
               <a:rPr lang="de-DE" smtClean="0"/>
               <a:pPr/>
-              <a:t>22.06.18</a:t>
+              <a:t>25.06.18</a:t>
             </a:fld>
             <a:endParaRPr lang="de-DE" dirty="0"/>
           </a:p>
@@ -7768,7 +7876,7 @@
             <a:fld id="{37FFCD0F-6FD7-423A-A678-0AA8290E11CF}" type="datetimeFigureOut">
               <a:rPr lang="de-DE" smtClean="0"/>
               <a:pPr/>
-              <a:t>22.06.18</a:t>
+              <a:t>25.06.18</a:t>
             </a:fld>
             <a:endParaRPr lang="de-DE" dirty="0"/>
           </a:p>
@@ -8082,7 +8190,7 @@
             <a:fld id="{37FFCD0F-6FD7-423A-A678-0AA8290E11CF}" type="datetimeFigureOut">
               <a:rPr lang="de-DE" smtClean="0"/>
               <a:pPr/>
-              <a:t>22.06.18</a:t>
+              <a:t>25.06.18</a:t>
             </a:fld>
             <a:endParaRPr lang="de-DE" dirty="0"/>
           </a:p>
@@ -8529,7 +8637,7 @@
             <a:fld id="{37FFCD0F-6FD7-423A-A678-0AA8290E11CF}" type="datetimeFigureOut">
               <a:rPr lang="de-DE" smtClean="0"/>
               <a:pPr/>
-              <a:t>22.06.18</a:t>
+              <a:t>25.06.18</a:t>
             </a:fld>
             <a:endParaRPr lang="de-DE" dirty="0"/>
           </a:p>
@@ -8913,7 +9021,7 @@
             <a:fld id="{37FFCD0F-6FD7-423A-A678-0AA8290E11CF}" type="datetimeFigureOut">
               <a:rPr lang="de-DE" smtClean="0"/>
               <a:pPr/>
-              <a:t>22.06.18</a:t>
+              <a:t>25.06.18</a:t>
             </a:fld>
             <a:endParaRPr lang="de-DE" dirty="0"/>
           </a:p>
@@ -9433,7 +9541,7 @@
             <a:fld id="{37FFCD0F-6FD7-423A-A678-0AA8290E11CF}" type="datetimeFigureOut">
               <a:rPr lang="de-DE" smtClean="0"/>
               <a:pPr/>
-              <a:t>22.06.18</a:t>
+              <a:t>25.06.18</a:t>
             </a:fld>
             <a:endParaRPr lang="de-DE" dirty="0"/>
           </a:p>
@@ -10102,7 +10210,7 @@
             <a:fld id="{37FFCD0F-6FD7-423A-A678-0AA8290E11CF}" type="datetimeFigureOut">
               <a:rPr lang="de-DE" smtClean="0"/>
               <a:pPr/>
-              <a:t>22.06.18</a:t>
+              <a:t>25.06.18</a:t>
             </a:fld>
             <a:endParaRPr lang="de-DE" dirty="0"/>
           </a:p>
@@ -10758,7 +10866,7 @@
             <a:fld id="{37FFCD0F-6FD7-423A-A678-0AA8290E11CF}" type="datetimeFigureOut">
               <a:rPr lang="de-DE" smtClean="0"/>
               <a:pPr/>
-              <a:t>22.06.18</a:t>
+              <a:t>25.06.18</a:t>
             </a:fld>
             <a:endParaRPr lang="de-DE" dirty="0"/>
           </a:p>
@@ -11414,7 +11522,7 @@
             <a:fld id="{37FFCD0F-6FD7-423A-A678-0AA8290E11CF}" type="datetimeFigureOut">
               <a:rPr lang="de-DE" smtClean="0"/>
               <a:pPr/>
-              <a:t>22.06.18</a:t>
+              <a:t>25.06.18</a:t>
             </a:fld>
             <a:endParaRPr lang="de-DE" dirty="0"/>
           </a:p>
@@ -12070,7 +12178,7 @@
             <a:fld id="{37FFCD0F-6FD7-423A-A678-0AA8290E11CF}" type="datetimeFigureOut">
               <a:rPr lang="de-DE" smtClean="0"/>
               <a:pPr/>
-              <a:t>22.06.18</a:t>
+              <a:t>25.06.18</a:t>
             </a:fld>
             <a:endParaRPr lang="de-DE" dirty="0"/>
           </a:p>
@@ -12767,7 +12875,7 @@
             <a:fld id="{37FFCD0F-6FD7-423A-A678-0AA8290E11CF}" type="datetimeFigureOut">
               <a:rPr lang="de-DE" smtClean="0"/>
               <a:pPr/>
-              <a:t>22.06.18</a:t>
+              <a:t>25.06.18</a:t>
             </a:fld>
             <a:endParaRPr lang="de-DE" dirty="0"/>
           </a:p>
@@ -13277,6 +13385,61 @@
 </p:sld>
 </file>
 
+<file path=ppt/slides/slide10.xml><?xml version="1.0" encoding="utf-8"?>
+<p:sld xmlns:a="http://schemas.openxmlformats.org/drawingml/2006/main" xmlns:r="http://schemas.openxmlformats.org/officeDocument/2006/relationships" xmlns:p="http://schemas.openxmlformats.org/presentationml/2006/main">
+  <p:cSld>
+    <p:spTree>
+      <p:nvGrpSpPr>
+        <p:cNvPr id="1" name=""/>
+        <p:cNvGrpSpPr/>
+        <p:nvPr/>
+      </p:nvGrpSpPr>
+      <p:grpSpPr>
+        <a:xfrm>
+          <a:off x="0" y="0"/>
+          <a:ext cx="0" cy="0"/>
+          <a:chOff x="0" y="0"/>
+          <a:chExt cx="0" cy="0"/>
+        </a:xfrm>
+      </p:grpSpPr>
+      <p:sp>
+        <p:nvSpPr>
+          <p:cNvPr id="2" name="Text Placeholder 1">
+            <a:extLst>
+              <a:ext uri="{FF2B5EF4-FFF2-40B4-BE49-F238E27FC236}">
+                <a16:creationId xmlns:a16="http://schemas.microsoft.com/office/drawing/2014/main" id="{61F0712D-753F-784C-8BF4-D5742C910C0A}"/>
+              </a:ext>
+            </a:extLst>
+          </p:cNvPr>
+          <p:cNvSpPr>
+            <a:spLocks noGrp="1"/>
+          </p:cNvSpPr>
+          <p:nvPr>
+            <p:ph type="body" sz="quarter" idx="14"/>
+          </p:nvPr>
+        </p:nvSpPr>
+        <p:spPr/>
+        <p:txBody>
+          <a:bodyPr/>
+          <a:lstStyle/>
+          <a:p>
+            <a:endParaRPr lang="en-US" dirty="0"/>
+          </a:p>
+        </p:txBody>
+      </p:sp>
+    </p:spTree>
+    <p:extLst>
+      <p:ext uri="{BB962C8B-B14F-4D97-AF65-F5344CB8AC3E}">
+        <p14:creationId xmlns:p14="http://schemas.microsoft.com/office/powerpoint/2010/main" val="66019263"/>
+      </p:ext>
+    </p:extLst>
+  </p:cSld>
+  <p:clrMapOvr>
+    <a:masterClrMapping/>
+  </p:clrMapOvr>
+</p:sld>
+</file>
+
 <file path=ppt/slides/slide2.xml><?xml version="1.0" encoding="utf-8"?>
 <p:sld xmlns:a="http://schemas.openxmlformats.org/drawingml/2006/main" xmlns:r="http://schemas.openxmlformats.org/officeDocument/2006/relationships" xmlns:p="http://schemas.openxmlformats.org/presentationml/2006/main">
   <p:cSld>
@@ -13339,7 +13502,14 @@
           <a:p>
             <a:r>
               <a:rPr lang="en-US" dirty="0"/>
-              <a:t>Capture word relatedness</a:t>
+              <a:t>Word representation as vector</a:t>
+            </a:r>
+          </a:p>
+          <a:p>
+            <a:pPr lvl="1"/>
+            <a:r>
+              <a:rPr lang="en-US" dirty="0"/>
+              <a:t>Captures word relatedness</a:t>
             </a:r>
           </a:p>
           <a:p>
@@ -13385,7 +13555,7 @@
             <a:fld id="{E703C47A-2488-416B-89DF-02DC664DA84B}" type="datetime1">
               <a:rPr lang="nl-NL" smtClean="0"/>
               <a:pPr/>
-              <a:t>22-06-18</a:t>
+              <a:t>25-06-18</a:t>
             </a:fld>
             <a:endParaRPr lang="de-DE" dirty="0"/>
           </a:p>
@@ -13450,7 +13620,7 @@
                             </p:stCondLst>
                             <p:childTnLst>
                               <p:par>
-                                <p:cTn id="5" presetID="1" presetClass="entr" presetSubtype="0" fill="hold" nodeType="clickEffect">
+                                <p:cTn id="5" presetID="1" presetClass="entr" presetSubtype="0" fill="hold" grpId="0" nodeType="clickEffect">
                                   <p:stCondLst>
                                     <p:cond delay="0"/>
                                   </p:stCondLst>
@@ -13465,7 +13635,7 @@
                                         <p:tgtEl>
                                           <p:spTgt spid="5">
                                             <p:txEl>
-                                              <p:pRg st="2" end="2"/>
+                                              <p:pRg st="0" end="0"/>
                                             </p:txEl>
                                           </p:spTgt>
                                         </p:tgtEl>
@@ -13481,7 +13651,7 @@
                                 </p:cTn>
                               </p:par>
                               <p:par>
-                                <p:cTn id="7" presetID="1" presetClass="entr" presetSubtype="0" fill="hold" nodeType="withEffect">
+                                <p:cTn id="7" presetID="1" presetClass="entr" presetSubtype="0" fill="hold" grpId="0" nodeType="withEffect">
                                   <p:stCondLst>
                                     <p:cond delay="0"/>
                                   </p:stCondLst>
@@ -13489,6 +13659,55 @@
                                     <p:set>
                                       <p:cBhvr>
                                         <p:cTn id="8" dur="1" fill="hold">
+                                          <p:stCondLst>
+                                            <p:cond delay="0"/>
+                                          </p:stCondLst>
+                                        </p:cTn>
+                                        <p:tgtEl>
+                                          <p:spTgt spid="5">
+                                            <p:txEl>
+                                              <p:pRg st="1" end="1"/>
+                                            </p:txEl>
+                                          </p:spTgt>
+                                        </p:tgtEl>
+                                        <p:attrNameLst>
+                                          <p:attrName>style.visibility</p:attrName>
+                                        </p:attrNameLst>
+                                      </p:cBhvr>
+                                      <p:to>
+                                        <p:strVal val="visible"/>
+                                      </p:to>
+                                    </p:set>
+                                  </p:childTnLst>
+                                </p:cTn>
+                              </p:par>
+                            </p:childTnLst>
+                          </p:cTn>
+                        </p:par>
+                      </p:childTnLst>
+                    </p:cTn>
+                  </p:par>
+                  <p:par>
+                    <p:cTn id="9" fill="hold">
+                      <p:stCondLst>
+                        <p:cond delay="indefinite"/>
+                      </p:stCondLst>
+                      <p:childTnLst>
+                        <p:par>
+                          <p:cTn id="10" fill="hold">
+                            <p:stCondLst>
+                              <p:cond delay="0"/>
+                            </p:stCondLst>
+                            <p:childTnLst>
+                              <p:par>
+                                <p:cTn id="11" presetID="1" presetClass="entr" presetSubtype="0" fill="hold" grpId="0" nodeType="clickEffect">
+                                  <p:stCondLst>
+                                    <p:cond delay="0"/>
+                                  </p:stCondLst>
+                                  <p:childTnLst>
+                                    <p:set>
+                                      <p:cBhvr>
+                                        <p:cTn id="12" dur="1" fill="hold">
                                           <p:stCondLst>
                                             <p:cond delay="0"/>
                                           </p:stCondLst>
@@ -13512,14 +13731,14 @@
                                 </p:cTn>
                               </p:par>
                               <p:par>
-                                <p:cTn id="9" presetID="1" presetClass="entr" presetSubtype="0" fill="hold" nodeType="withEffect">
+                                <p:cTn id="13" presetID="1" presetClass="entr" presetSubtype="0" fill="hold" grpId="0" nodeType="withEffect">
                                   <p:stCondLst>
                                     <p:cond delay="0"/>
                                   </p:stCondLst>
                                   <p:childTnLst>
                                     <p:set>
                                       <p:cBhvr>
-                                        <p:cTn id="10" dur="1" fill="hold">
+                                        <p:cTn id="14" dur="1" fill="hold">
                                           <p:stCondLst>
                                             <p:cond delay="0"/>
                                           </p:stCondLst>
@@ -13528,6 +13747,37 @@
                                           <p:spTgt spid="5">
                                             <p:txEl>
                                               <p:pRg st="4" end="4"/>
+                                            </p:txEl>
+                                          </p:spTgt>
+                                        </p:tgtEl>
+                                        <p:attrNameLst>
+                                          <p:attrName>style.visibility</p:attrName>
+                                        </p:attrNameLst>
+                                      </p:cBhvr>
+                                      <p:to>
+                                        <p:strVal val="visible"/>
+                                      </p:to>
+                                    </p:set>
+                                  </p:childTnLst>
+                                </p:cTn>
+                              </p:par>
+                              <p:par>
+                                <p:cTn id="15" presetID="1" presetClass="entr" presetSubtype="0" fill="hold" grpId="0" nodeType="withEffect">
+                                  <p:stCondLst>
+                                    <p:cond delay="0"/>
+                                  </p:stCondLst>
+                                  <p:childTnLst>
+                                    <p:set>
+                                      <p:cBhvr>
+                                        <p:cTn id="16" dur="1" fill="hold">
+                                          <p:stCondLst>
+                                            <p:cond delay="0"/>
+                                          </p:stCondLst>
+                                        </p:cTn>
+                                        <p:tgtEl>
+                                          <p:spTgt spid="5">
+                                            <p:txEl>
+                                              <p:pRg st="5" end="5"/>
                                             </p:txEl>
                                           </p:spTgt>
                                         </p:tgtEl>
@@ -13569,6 +13819,9 @@
         </p:cTn>
       </p:par>
     </p:tnLst>
+    <p:bldLst>
+      <p:bldP spid="5" grpId="0" build="p"/>
+    </p:bldLst>
   </p:timing>
 </p:sld>
 </file>
@@ -13699,7 +13952,7 @@
             <a:fld id="{FF92423A-6E53-40DC-B330-89F772FD6D42}" type="datetime1">
               <a:rPr lang="nl-NL" smtClean="0"/>
               <a:pPr/>
-              <a:t>22-06-18</a:t>
+              <a:t>25-06-18</a:t>
             </a:fld>
             <a:endParaRPr lang="de-DE" dirty="0"/>
           </a:p>
@@ -13955,6 +14208,462 @@
       </p:grpSpPr>
       <p:sp>
         <p:nvSpPr>
+          <p:cNvPr id="8" name="Title 1">
+            <a:extLst>
+              <a:ext uri="{FF2B5EF4-FFF2-40B4-BE49-F238E27FC236}">
+                <a16:creationId xmlns:a16="http://schemas.microsoft.com/office/drawing/2014/main" id="{1C1C0083-21D7-1440-932E-54B27879D102}"/>
+              </a:ext>
+            </a:extLst>
+          </p:cNvPr>
+          <p:cNvSpPr>
+            <a:spLocks noGrp="1"/>
+          </p:cNvSpPr>
+          <p:nvPr>
+            <p:ph type="title"/>
+          </p:nvPr>
+        </p:nvSpPr>
+        <p:spPr/>
+        <p:txBody>
+          <a:bodyPr/>
+          <a:lstStyle/>
+          <a:p>
+            <a:r>
+              <a:rPr lang="en-US" dirty="0"/>
+              <a:t>Data</a:t>
+            </a:r>
+          </a:p>
+        </p:txBody>
+      </p:sp>
+      <p:sp>
+        <p:nvSpPr>
+          <p:cNvPr id="7" name="Text Placeholder 6"/>
+          <p:cNvSpPr>
+            <a:spLocks noGrp="1"/>
+          </p:cNvSpPr>
+          <p:nvPr>
+            <p:ph type="body" sz="quarter" idx="13"/>
+          </p:nvPr>
+        </p:nvSpPr>
+        <p:spPr/>
+        <p:txBody>
+          <a:bodyPr/>
+          <a:lstStyle/>
+          <a:p>
+            <a:pPr marL="285750" indent="-285750">
+              <a:buFont typeface="Arial" panose="020B0604020202020204" pitchFamily="34" charset="0"/>
+              <a:buChar char="•"/>
+            </a:pPr>
+            <a:r>
+              <a:rPr lang="en-US" b="0" dirty="0"/>
+              <a:t>All articles published in 2017</a:t>
+            </a:r>
+          </a:p>
+          <a:p>
+            <a:pPr marL="646113" lvl="1" indent="-285750">
+              <a:buFont typeface="Arial" panose="020B0604020202020204" pitchFamily="34" charset="0"/>
+              <a:buChar char="•"/>
+            </a:pPr>
+            <a:r>
+              <a:rPr lang="en-US" dirty="0"/>
+              <a:t>1.4M articles</a:t>
+            </a:r>
+            <a:endParaRPr lang="en-US" b="0" dirty="0"/>
+          </a:p>
+          <a:p>
+            <a:pPr marL="646113" lvl="1" indent="-285750">
+              <a:buFont typeface="Arial" panose="020B0604020202020204" pitchFamily="34" charset="0"/>
+              <a:buChar char="•"/>
+            </a:pPr>
+            <a:r>
+              <a:rPr lang="en-US" dirty="0"/>
+              <a:t>3.8K journals</a:t>
+            </a:r>
+          </a:p>
+          <a:p>
+            <a:pPr lvl="1" indent="0">
+              <a:buNone/>
+            </a:pPr>
+            <a:endParaRPr lang="en-US" dirty="0"/>
+          </a:p>
+          <a:p>
+            <a:pPr marL="285750" indent="-285750">
+              <a:buFont typeface="Arial" panose="020B0604020202020204" pitchFamily="34" charset="0"/>
+              <a:buChar char="•"/>
+            </a:pPr>
+            <a:r>
+              <a:rPr lang="en-US" b="0" dirty="0"/>
+              <a:t>Word embedding </a:t>
+            </a:r>
+            <a:r>
+              <a:rPr lang="en-US" b="0" dirty="0">
+                <a:sym typeface="Wingdings" pitchFamily="2" charset="2"/>
+              </a:rPr>
+              <a:t> </a:t>
+            </a:r>
+          </a:p>
+          <a:p>
+            <a:pPr marL="646113" lvl="1" indent="-285750">
+              <a:buFont typeface="Arial" panose="020B0604020202020204" pitchFamily="34" charset="0"/>
+              <a:buChar char="•"/>
+            </a:pPr>
+            <a:r>
+              <a:rPr lang="en-US" b="0" dirty="0">
+                <a:sym typeface="Wingdings" pitchFamily="2" charset="2"/>
+              </a:rPr>
+              <a:t>Article embedding </a:t>
+            </a:r>
+          </a:p>
+          <a:p>
+            <a:pPr marL="822325" lvl="2" indent="-285750"/>
+            <a:r>
+              <a:rPr lang="en-US" b="0" dirty="0">
+                <a:sym typeface="Wingdings" pitchFamily="2" charset="2"/>
+              </a:rPr>
+              <a:t>Journal embedding</a:t>
+            </a:r>
+            <a:endParaRPr lang="en-US" b="0" dirty="0"/>
+          </a:p>
+        </p:txBody>
+      </p:sp>
+      <p:sp>
+        <p:nvSpPr>
+          <p:cNvPr id="12" name="Date Placeholder 2"/>
+          <p:cNvSpPr>
+            <a:spLocks noGrp="1"/>
+          </p:cNvSpPr>
+          <p:nvPr>
+            <p:ph type="dt" sz="half" idx="14"/>
+          </p:nvPr>
+        </p:nvSpPr>
+        <p:spPr/>
+        <p:txBody>
+          <a:bodyPr/>
+          <a:lstStyle/>
+          <a:p>
+            <a:fld id="{FF92423A-6E53-40DC-B330-89F772FD6D42}" type="datetime1">
+              <a:rPr lang="nl-NL" smtClean="0"/>
+              <a:pPr/>
+              <a:t>25-06-18</a:t>
+            </a:fld>
+            <a:endParaRPr lang="de-DE" dirty="0"/>
+          </a:p>
+        </p:txBody>
+      </p:sp>
+      <p:sp>
+        <p:nvSpPr>
+          <p:cNvPr id="13" name="Footer Placeholder 3"/>
+          <p:cNvSpPr>
+            <a:spLocks noGrp="1"/>
+          </p:cNvSpPr>
+          <p:nvPr>
+            <p:ph type="ftr" sz="quarter" idx="15"/>
+          </p:nvPr>
+        </p:nvSpPr>
+        <p:spPr>
+          <a:xfrm>
+            <a:off x="1044000" y="4531201"/>
+            <a:ext cx="3859470" cy="162244"/>
+          </a:xfrm>
+        </p:spPr>
+        <p:txBody>
+          <a:bodyPr/>
+          <a:lstStyle/>
+          <a:p>
+            <a:r>
+              <a:rPr lang="en-US" dirty="0"/>
+              <a:t>Document embedding for scientific articles: validation of word embeddings</a:t>
+            </a:r>
+            <a:endParaRPr lang="de-DE" dirty="0"/>
+          </a:p>
+        </p:txBody>
+      </p:sp>
+    </p:spTree>
+    <p:extLst>
+      <p:ext uri="{BB962C8B-B14F-4D97-AF65-F5344CB8AC3E}">
+        <p14:creationId xmlns:p14="http://schemas.microsoft.com/office/powerpoint/2010/main" val="2719210200"/>
+      </p:ext>
+    </p:extLst>
+  </p:cSld>
+  <p:clrMapOvr>
+    <a:masterClrMapping/>
+  </p:clrMapOvr>
+  <p:timing>
+    <p:tnLst>
+      <p:par>
+        <p:cTn id="1" dur="indefinite" restart="never" nodeType="tmRoot">
+          <p:childTnLst>
+            <p:seq concurrent="1" nextAc="seek">
+              <p:cTn id="2" dur="indefinite" nodeType="mainSeq">
+                <p:childTnLst>
+                  <p:par>
+                    <p:cTn id="3" fill="hold">
+                      <p:stCondLst>
+                        <p:cond delay="indefinite"/>
+                      </p:stCondLst>
+                      <p:childTnLst>
+                        <p:par>
+                          <p:cTn id="4" fill="hold">
+                            <p:stCondLst>
+                              <p:cond delay="0"/>
+                            </p:stCondLst>
+                            <p:childTnLst>
+                              <p:par>
+                                <p:cTn id="5" presetID="1" presetClass="entr" presetSubtype="0" fill="hold" grpId="0" nodeType="clickEffect">
+                                  <p:stCondLst>
+                                    <p:cond delay="0"/>
+                                  </p:stCondLst>
+                                  <p:childTnLst>
+                                    <p:set>
+                                      <p:cBhvr>
+                                        <p:cTn id="6" dur="1" fill="hold">
+                                          <p:stCondLst>
+                                            <p:cond delay="0"/>
+                                          </p:stCondLst>
+                                        </p:cTn>
+                                        <p:tgtEl>
+                                          <p:spTgt spid="7">
+                                            <p:txEl>
+                                              <p:pRg st="0" end="0"/>
+                                            </p:txEl>
+                                          </p:spTgt>
+                                        </p:tgtEl>
+                                        <p:attrNameLst>
+                                          <p:attrName>style.visibility</p:attrName>
+                                        </p:attrNameLst>
+                                      </p:cBhvr>
+                                      <p:to>
+                                        <p:strVal val="visible"/>
+                                      </p:to>
+                                    </p:set>
+                                  </p:childTnLst>
+                                </p:cTn>
+                              </p:par>
+                              <p:par>
+                                <p:cTn id="7" presetID="1" presetClass="entr" presetSubtype="0" fill="hold" grpId="0" nodeType="withEffect">
+                                  <p:stCondLst>
+                                    <p:cond delay="0"/>
+                                  </p:stCondLst>
+                                  <p:childTnLst>
+                                    <p:set>
+                                      <p:cBhvr>
+                                        <p:cTn id="8" dur="1" fill="hold">
+                                          <p:stCondLst>
+                                            <p:cond delay="0"/>
+                                          </p:stCondLst>
+                                        </p:cTn>
+                                        <p:tgtEl>
+                                          <p:spTgt spid="7">
+                                            <p:txEl>
+                                              <p:pRg st="1" end="1"/>
+                                            </p:txEl>
+                                          </p:spTgt>
+                                        </p:tgtEl>
+                                        <p:attrNameLst>
+                                          <p:attrName>style.visibility</p:attrName>
+                                        </p:attrNameLst>
+                                      </p:cBhvr>
+                                      <p:to>
+                                        <p:strVal val="visible"/>
+                                      </p:to>
+                                    </p:set>
+                                  </p:childTnLst>
+                                </p:cTn>
+                              </p:par>
+                              <p:par>
+                                <p:cTn id="9" presetID="1" presetClass="entr" presetSubtype="0" fill="hold" grpId="0" nodeType="withEffect">
+                                  <p:stCondLst>
+                                    <p:cond delay="0"/>
+                                  </p:stCondLst>
+                                  <p:childTnLst>
+                                    <p:set>
+                                      <p:cBhvr>
+                                        <p:cTn id="10" dur="1" fill="hold">
+                                          <p:stCondLst>
+                                            <p:cond delay="0"/>
+                                          </p:stCondLst>
+                                        </p:cTn>
+                                        <p:tgtEl>
+                                          <p:spTgt spid="7">
+                                            <p:txEl>
+                                              <p:pRg st="2" end="2"/>
+                                            </p:txEl>
+                                          </p:spTgt>
+                                        </p:tgtEl>
+                                        <p:attrNameLst>
+                                          <p:attrName>style.visibility</p:attrName>
+                                        </p:attrNameLst>
+                                      </p:cBhvr>
+                                      <p:to>
+                                        <p:strVal val="visible"/>
+                                      </p:to>
+                                    </p:set>
+                                  </p:childTnLst>
+                                </p:cTn>
+                              </p:par>
+                            </p:childTnLst>
+                          </p:cTn>
+                        </p:par>
+                      </p:childTnLst>
+                    </p:cTn>
+                  </p:par>
+                  <p:par>
+                    <p:cTn id="11" fill="hold">
+                      <p:stCondLst>
+                        <p:cond delay="indefinite"/>
+                      </p:stCondLst>
+                      <p:childTnLst>
+                        <p:par>
+                          <p:cTn id="12" fill="hold">
+                            <p:stCondLst>
+                              <p:cond delay="0"/>
+                            </p:stCondLst>
+                            <p:childTnLst>
+                              <p:par>
+                                <p:cTn id="13" presetID="1" presetClass="entr" presetSubtype="0" fill="hold" grpId="0" nodeType="clickEffect">
+                                  <p:stCondLst>
+                                    <p:cond delay="0"/>
+                                  </p:stCondLst>
+                                  <p:childTnLst>
+                                    <p:set>
+                                      <p:cBhvr>
+                                        <p:cTn id="14" dur="1" fill="hold">
+                                          <p:stCondLst>
+                                            <p:cond delay="0"/>
+                                          </p:stCondLst>
+                                        </p:cTn>
+                                        <p:tgtEl>
+                                          <p:spTgt spid="7">
+                                            <p:txEl>
+                                              <p:pRg st="4" end="4"/>
+                                            </p:txEl>
+                                          </p:spTgt>
+                                        </p:tgtEl>
+                                        <p:attrNameLst>
+                                          <p:attrName>style.visibility</p:attrName>
+                                        </p:attrNameLst>
+                                      </p:cBhvr>
+                                      <p:to>
+                                        <p:strVal val="visible"/>
+                                      </p:to>
+                                    </p:set>
+                                  </p:childTnLst>
+                                </p:cTn>
+                              </p:par>
+                              <p:par>
+                                <p:cTn id="15" presetID="1" presetClass="entr" presetSubtype="0" fill="hold" grpId="0" nodeType="withEffect">
+                                  <p:stCondLst>
+                                    <p:cond delay="0"/>
+                                  </p:stCondLst>
+                                  <p:childTnLst>
+                                    <p:set>
+                                      <p:cBhvr>
+                                        <p:cTn id="16" dur="1" fill="hold">
+                                          <p:stCondLst>
+                                            <p:cond delay="0"/>
+                                          </p:stCondLst>
+                                        </p:cTn>
+                                        <p:tgtEl>
+                                          <p:spTgt spid="7">
+                                            <p:txEl>
+                                              <p:pRg st="5" end="5"/>
+                                            </p:txEl>
+                                          </p:spTgt>
+                                        </p:tgtEl>
+                                        <p:attrNameLst>
+                                          <p:attrName>style.visibility</p:attrName>
+                                        </p:attrNameLst>
+                                      </p:cBhvr>
+                                      <p:to>
+                                        <p:strVal val="visible"/>
+                                      </p:to>
+                                    </p:set>
+                                  </p:childTnLst>
+                                </p:cTn>
+                              </p:par>
+                              <p:par>
+                                <p:cTn id="17" presetID="1" presetClass="entr" presetSubtype="0" fill="hold" grpId="0" nodeType="withEffect">
+                                  <p:stCondLst>
+                                    <p:cond delay="0"/>
+                                  </p:stCondLst>
+                                  <p:childTnLst>
+                                    <p:set>
+                                      <p:cBhvr>
+                                        <p:cTn id="18" dur="1" fill="hold">
+                                          <p:stCondLst>
+                                            <p:cond delay="0"/>
+                                          </p:stCondLst>
+                                        </p:cTn>
+                                        <p:tgtEl>
+                                          <p:spTgt spid="7">
+                                            <p:txEl>
+                                              <p:pRg st="6" end="6"/>
+                                            </p:txEl>
+                                          </p:spTgt>
+                                        </p:tgtEl>
+                                        <p:attrNameLst>
+                                          <p:attrName>style.visibility</p:attrName>
+                                        </p:attrNameLst>
+                                      </p:cBhvr>
+                                      <p:to>
+                                        <p:strVal val="visible"/>
+                                      </p:to>
+                                    </p:set>
+                                  </p:childTnLst>
+                                </p:cTn>
+                              </p:par>
+                            </p:childTnLst>
+                          </p:cTn>
+                        </p:par>
+                      </p:childTnLst>
+                    </p:cTn>
+                  </p:par>
+                </p:childTnLst>
+              </p:cTn>
+              <p:prevCondLst>
+                <p:cond evt="onPrev" delay="0">
+                  <p:tgtEl>
+                    <p:sldTgt/>
+                  </p:tgtEl>
+                </p:cond>
+              </p:prevCondLst>
+              <p:nextCondLst>
+                <p:cond evt="onNext" delay="0">
+                  <p:tgtEl>
+                    <p:sldTgt/>
+                  </p:tgtEl>
+                </p:cond>
+              </p:nextCondLst>
+            </p:seq>
+          </p:childTnLst>
+        </p:cTn>
+      </p:par>
+    </p:tnLst>
+    <p:bldLst>
+      <p:bldP spid="7" grpId="0" build="p"/>
+    </p:bldLst>
+  </p:timing>
+</p:sld>
+</file>
+
+<file path=ppt/slides/slide5.xml><?xml version="1.0" encoding="utf-8"?>
+<p:sld xmlns:a="http://schemas.openxmlformats.org/drawingml/2006/main" xmlns:r="http://schemas.openxmlformats.org/officeDocument/2006/relationships" xmlns:p="http://schemas.openxmlformats.org/presentationml/2006/main">
+  <p:cSld>
+    <p:spTree>
+      <p:nvGrpSpPr>
+        <p:cNvPr id="1" name=""/>
+        <p:cNvGrpSpPr/>
+        <p:nvPr/>
+      </p:nvGrpSpPr>
+      <p:grpSpPr>
+        <a:xfrm>
+          <a:off x="0" y="0"/>
+          <a:ext cx="0" cy="0"/>
+          <a:chOff x="0" y="0"/>
+          <a:chExt cx="0" cy="0"/>
+        </a:xfrm>
+      </p:grpSpPr>
+      <p:sp>
+        <p:nvSpPr>
           <p:cNvPr id="9" name="Title 1">
             <a:extLst>
               <a:ext uri="{FF2B5EF4-FFF2-40B4-BE49-F238E27FC236}">
@@ -13999,7 +14708,7 @@
             <a:fld id="{E703C47A-2488-416B-89DF-02DC664DA84B}" type="datetime1">
               <a:rPr lang="nl-NL" smtClean="0"/>
               <a:pPr/>
-              <a:t>22-06-18</a:t>
+              <a:t>25-06-18</a:t>
             </a:fld>
             <a:endParaRPr lang="de-DE" dirty="0"/>
           </a:p>
@@ -14085,7 +14794,7 @@
 </p:sld>
 </file>
 
-<file path=ppt/slides/slide5.xml><?xml version="1.0" encoding="utf-8"?>
+<file path=ppt/slides/slide6.xml><?xml version="1.0" encoding="utf-8"?>
 <p:sld xmlns:a="http://schemas.openxmlformats.org/drawingml/2006/main" xmlns:r="http://schemas.openxmlformats.org/officeDocument/2006/relationships" xmlns:p="http://schemas.openxmlformats.org/presentationml/2006/main">
   <p:cSld>
     <p:spTree>
@@ -14148,7 +14857,7 @@
             <a:fld id="{E703C47A-2488-416B-89DF-02DC664DA84B}" type="datetime1">
               <a:rPr lang="nl-NL" smtClean="0"/>
               <a:pPr/>
-              <a:t>22-06-18</a:t>
+              <a:t>25-06-18</a:t>
             </a:fld>
             <a:endParaRPr lang="de-DE" dirty="0"/>
           </a:p>
@@ -14231,7 +14940,7 @@
 </p:sld>
 </file>
 
-<file path=ppt/slides/slide6.xml><?xml version="1.0" encoding="utf-8"?>
+<file path=ppt/slides/slide7.xml><?xml version="1.0" encoding="utf-8"?>
 <p:sld xmlns:a="http://schemas.openxmlformats.org/drawingml/2006/main" xmlns:r="http://schemas.openxmlformats.org/officeDocument/2006/relationships" xmlns:p="http://schemas.openxmlformats.org/presentationml/2006/main">
   <p:cSld>
     <p:spTree>
@@ -14266,7 +14975,7 @@
             <a:fld id="{E703C47A-2488-416B-89DF-02DC664DA84B}" type="datetime1">
               <a:rPr lang="nl-NL" smtClean="0"/>
               <a:pPr/>
-              <a:t>22-06-18</a:t>
+              <a:t>25-06-18</a:t>
             </a:fld>
             <a:endParaRPr lang="de-DE" dirty="0"/>
           </a:p>
@@ -14305,10 +15014,10 @@
       </p:sp>
       <p:pic>
         <p:nvPicPr>
-          <p:cNvPr id="3" name="Picture 2">
+          <p:cNvPr id="4" name="Picture 3">
             <a:extLst>
               <a:ext uri="{FF2B5EF4-FFF2-40B4-BE49-F238E27FC236}">
-                <a16:creationId xmlns:a16="http://schemas.microsoft.com/office/drawing/2014/main" id="{91A3B079-4721-0B46-BE79-093064477F3E}"/>
+                <a16:creationId xmlns:a16="http://schemas.microsoft.com/office/drawing/2014/main" id="{269150F6-0DE2-CD42-B337-B1CB73058B5B}"/>
               </a:ext>
             </a:extLst>
           </p:cNvPr>
@@ -14331,8 +15040,8 @@
         </p:blipFill>
         <p:spPr>
           <a:xfrm>
-            <a:off x="1823085" y="39100"/>
-            <a:ext cx="5358377" cy="4338686"/>
+            <a:off x="1044000" y="0"/>
+            <a:ext cx="7622005" cy="5143500"/>
           </a:xfrm>
           <a:prstGeom prst="rect">
             <a:avLst/>
@@ -14343,127 +15052,6 @@
     <p:extLst>
       <p:ext uri="{BB962C8B-B14F-4D97-AF65-F5344CB8AC3E}">
         <p14:creationId xmlns:p14="http://schemas.microsoft.com/office/powerpoint/2010/main" val="2061473630"/>
-      </p:ext>
-    </p:extLst>
-  </p:cSld>
-  <p:clrMapOvr>
-    <a:masterClrMapping/>
-  </p:clrMapOvr>
-</p:sld>
-</file>
-
-<file path=ppt/slides/slide7.xml><?xml version="1.0" encoding="utf-8"?>
-<p:sld xmlns:a="http://schemas.openxmlformats.org/drawingml/2006/main" xmlns:r="http://schemas.openxmlformats.org/officeDocument/2006/relationships" xmlns:p="http://schemas.openxmlformats.org/presentationml/2006/main">
-  <p:cSld>
-    <p:spTree>
-      <p:nvGrpSpPr>
-        <p:cNvPr id="1" name=""/>
-        <p:cNvGrpSpPr/>
-        <p:nvPr/>
-      </p:nvGrpSpPr>
-      <p:grpSpPr>
-        <a:xfrm>
-          <a:off x="0" y="0"/>
-          <a:ext cx="0" cy="0"/>
-          <a:chOff x="0" y="0"/>
-          <a:chExt cx="0" cy="0"/>
-        </a:xfrm>
-      </p:grpSpPr>
-      <p:sp>
-        <p:nvSpPr>
-          <p:cNvPr id="12" name="Date Placeholder 2"/>
-          <p:cNvSpPr>
-            <a:spLocks noGrp="1"/>
-          </p:cNvSpPr>
-          <p:nvPr>
-            <p:ph type="dt" sz="half" idx="14"/>
-          </p:nvPr>
-        </p:nvSpPr>
-        <p:spPr/>
-        <p:txBody>
-          <a:bodyPr/>
-          <a:lstStyle/>
-          <a:p>
-            <a:fld id="{E703C47A-2488-416B-89DF-02DC664DA84B}" type="datetime1">
-              <a:rPr lang="nl-NL" smtClean="0"/>
-              <a:pPr/>
-              <a:t>22-06-18</a:t>
-            </a:fld>
-            <a:endParaRPr lang="de-DE" dirty="0"/>
-          </a:p>
-        </p:txBody>
-      </p:sp>
-      <p:sp>
-        <p:nvSpPr>
-          <p:cNvPr id="13" name="Footer Placeholder 3"/>
-          <p:cNvSpPr>
-            <a:spLocks noGrp="1"/>
-          </p:cNvSpPr>
-          <p:nvPr>
-            <p:ph type="ftr" sz="quarter" idx="15"/>
-          </p:nvPr>
-        </p:nvSpPr>
-        <p:spPr>
-          <a:xfrm>
-            <a:off x="1044000" y="4531201"/>
-            <a:ext cx="3676590" cy="162244"/>
-          </a:xfrm>
-        </p:spPr>
-        <p:txBody>
-          <a:bodyPr/>
-          <a:lstStyle/>
-          <a:p>
-            <a:r>
-              <a:rPr lang="en-US" dirty="0"/>
-              <a:t>Document embedding for scientific articles: validation of word embeddings</a:t>
-            </a:r>
-            <a:endParaRPr lang="de-DE" dirty="0"/>
-          </a:p>
-          <a:p>
-            <a:endParaRPr lang="de-DE" dirty="0"/>
-          </a:p>
-        </p:txBody>
-      </p:sp>
-      <p:pic>
-        <p:nvPicPr>
-          <p:cNvPr id="4" name="Picture 3">
-            <a:extLst>
-              <a:ext uri="{FF2B5EF4-FFF2-40B4-BE49-F238E27FC236}">
-                <a16:creationId xmlns:a16="http://schemas.microsoft.com/office/drawing/2014/main" id="{8F642706-DB22-534E-BBA0-7BB937900AF8}"/>
-              </a:ext>
-            </a:extLst>
-          </p:cNvPr>
-          <p:cNvPicPr>
-            <a:picLocks noChangeAspect="1"/>
-          </p:cNvPicPr>
-          <p:nvPr/>
-        </p:nvPicPr>
-        <p:blipFill>
-          <a:blip r:embed="rId3">
-            <a:extLst>
-              <a:ext uri="{28A0092B-C50C-407E-A947-70E740481C1C}">
-                <a14:useLocalDpi xmlns:a14="http://schemas.microsoft.com/office/drawing/2010/main" val="0"/>
-              </a:ext>
-            </a:extLst>
-          </a:blip>
-          <a:stretch>
-            <a:fillRect/>
-          </a:stretch>
-        </p:blipFill>
-        <p:spPr>
-          <a:xfrm>
-            <a:off x="1417320" y="83060"/>
-            <a:ext cx="5996515" cy="4317491"/>
-          </a:xfrm>
-          <a:prstGeom prst="rect">
-            <a:avLst/>
-          </a:prstGeom>
-        </p:spPr>
-      </p:pic>
-    </p:spTree>
-    <p:extLst>
-      <p:ext uri="{BB962C8B-B14F-4D97-AF65-F5344CB8AC3E}">
-        <p14:creationId xmlns:p14="http://schemas.microsoft.com/office/powerpoint/2010/main" val="471280377"/>
       </p:ext>
     </p:extLst>
   </p:cSld>
@@ -14492,6 +15080,268 @@
       </p:grpSpPr>
       <p:sp>
         <p:nvSpPr>
+          <p:cNvPr id="12" name="Date Placeholder 2"/>
+          <p:cNvSpPr>
+            <a:spLocks noGrp="1"/>
+          </p:cNvSpPr>
+          <p:nvPr>
+            <p:ph type="dt" sz="half" idx="14"/>
+          </p:nvPr>
+        </p:nvSpPr>
+        <p:spPr/>
+        <p:txBody>
+          <a:bodyPr/>
+          <a:lstStyle/>
+          <a:p>
+            <a:fld id="{E703C47A-2488-416B-89DF-02DC664DA84B}" type="datetime1">
+              <a:rPr lang="nl-NL" smtClean="0"/>
+              <a:pPr/>
+              <a:t>25-06-18</a:t>
+            </a:fld>
+            <a:endParaRPr lang="de-DE" dirty="0"/>
+          </a:p>
+        </p:txBody>
+      </p:sp>
+      <p:sp>
+        <p:nvSpPr>
+          <p:cNvPr id="13" name="Footer Placeholder 3"/>
+          <p:cNvSpPr>
+            <a:spLocks noGrp="1"/>
+          </p:cNvSpPr>
+          <p:nvPr>
+            <p:ph type="ftr" sz="quarter" idx="15"/>
+          </p:nvPr>
+        </p:nvSpPr>
+        <p:spPr>
+          <a:xfrm>
+            <a:off x="1044000" y="4531201"/>
+            <a:ext cx="3676590" cy="162244"/>
+          </a:xfrm>
+        </p:spPr>
+        <p:txBody>
+          <a:bodyPr/>
+          <a:lstStyle/>
+          <a:p>
+            <a:r>
+              <a:rPr lang="en-US" dirty="0"/>
+              <a:t>Document embedding for scientific articles: validation of word embeddings</a:t>
+            </a:r>
+            <a:endParaRPr lang="de-DE" dirty="0"/>
+          </a:p>
+          <a:p>
+            <a:endParaRPr lang="de-DE" dirty="0"/>
+          </a:p>
+        </p:txBody>
+      </p:sp>
+      <p:pic>
+        <p:nvPicPr>
+          <p:cNvPr id="7" name="Picture 6">
+            <a:extLst>
+              <a:ext uri="{FF2B5EF4-FFF2-40B4-BE49-F238E27FC236}">
+                <a16:creationId xmlns:a16="http://schemas.microsoft.com/office/drawing/2014/main" id="{0B047D01-6F7F-1541-86AD-CE54FA874FF3}"/>
+              </a:ext>
+            </a:extLst>
+          </p:cNvPr>
+          <p:cNvPicPr>
+            <a:picLocks noChangeAspect="1"/>
+          </p:cNvPicPr>
+          <p:nvPr/>
+        </p:nvPicPr>
+        <p:blipFill>
+          <a:blip r:embed="rId3">
+            <a:extLst>
+              <a:ext uri="{28A0092B-C50C-407E-A947-70E740481C1C}">
+                <a14:useLocalDpi xmlns:a14="http://schemas.microsoft.com/office/drawing/2010/main" val="0"/>
+              </a:ext>
+            </a:extLst>
+          </a:blip>
+          <a:stretch>
+            <a:fillRect/>
+          </a:stretch>
+        </p:blipFill>
+        <p:spPr>
+          <a:xfrm>
+            <a:off x="0" y="0"/>
+            <a:ext cx="7616221" cy="5143500"/>
+          </a:xfrm>
+          <a:prstGeom prst="rect">
+            <a:avLst/>
+          </a:prstGeom>
+        </p:spPr>
+      </p:pic>
+      <p:pic>
+        <p:nvPicPr>
+          <p:cNvPr id="3" name="Picture 2">
+            <a:extLst>
+              <a:ext uri="{FF2B5EF4-FFF2-40B4-BE49-F238E27FC236}">
+                <a16:creationId xmlns:a16="http://schemas.microsoft.com/office/drawing/2014/main" id="{34A4DE5D-A288-9C42-AD42-CDA8415019F7}"/>
+              </a:ext>
+            </a:extLst>
+          </p:cNvPr>
+          <p:cNvPicPr>
+            <a:picLocks noChangeAspect="1"/>
+          </p:cNvPicPr>
+          <p:nvPr/>
+        </p:nvPicPr>
+        <p:blipFill>
+          <a:blip r:embed="rId4">
+            <a:extLst>
+              <a:ext uri="{28A0092B-C50C-407E-A947-70E740481C1C}">
+                <a14:useLocalDpi xmlns:a14="http://schemas.microsoft.com/office/drawing/2010/main" val="0"/>
+              </a:ext>
+            </a:extLst>
+          </a:blip>
+          <a:stretch>
+            <a:fillRect/>
+          </a:stretch>
+        </p:blipFill>
+        <p:spPr>
+          <a:xfrm>
+            <a:off x="5308600" y="3289300"/>
+            <a:ext cx="3835400" cy="1854200"/>
+          </a:xfrm>
+          <a:prstGeom prst="rect">
+            <a:avLst/>
+          </a:prstGeom>
+        </p:spPr>
+      </p:pic>
+      <p:sp>
+        <p:nvSpPr>
+          <p:cNvPr id="8" name="TextBox 7">
+            <a:extLst>
+              <a:ext uri="{FF2B5EF4-FFF2-40B4-BE49-F238E27FC236}">
+                <a16:creationId xmlns:a16="http://schemas.microsoft.com/office/drawing/2014/main" id="{D182B99C-91B2-EB42-90DF-AE602820FC63}"/>
+              </a:ext>
+            </a:extLst>
+          </p:cNvPr>
+          <p:cNvSpPr txBox="1"/>
+          <p:nvPr/>
+        </p:nvSpPr>
+        <p:spPr>
+          <a:xfrm>
+            <a:off x="6624320" y="3283773"/>
+            <a:ext cx="2217274" cy="261610"/>
+          </a:xfrm>
+          <a:prstGeom prst="rect">
+            <a:avLst/>
+          </a:prstGeom>
+          <a:noFill/>
+        </p:spPr>
+        <p:txBody>
+          <a:bodyPr wrap="none" rtlCol="0">
+            <a:spAutoFit/>
+          </a:bodyPr>
+          <a:lstStyle/>
+          <a:p>
+            <a:r>
+              <a:rPr lang="en-US" sz="1100" dirty="0"/>
+              <a:t>(Social and behavioral sciences)</a:t>
+            </a:r>
+          </a:p>
+        </p:txBody>
+      </p:sp>
+      <p:sp>
+        <p:nvSpPr>
+          <p:cNvPr id="9" name="TextBox 8">
+            <a:extLst>
+              <a:ext uri="{FF2B5EF4-FFF2-40B4-BE49-F238E27FC236}">
+                <a16:creationId xmlns:a16="http://schemas.microsoft.com/office/drawing/2014/main" id="{D5F7298A-A89A-7946-B5D9-C0FFF98D89E6}"/>
+              </a:ext>
+            </a:extLst>
+          </p:cNvPr>
+          <p:cNvSpPr txBox="1"/>
+          <p:nvPr/>
+        </p:nvSpPr>
+        <p:spPr>
+          <a:xfrm>
+            <a:off x="6624320" y="3510270"/>
+            <a:ext cx="1455848" cy="261610"/>
+          </a:xfrm>
+          <a:prstGeom prst="rect">
+            <a:avLst/>
+          </a:prstGeom>
+          <a:noFill/>
+        </p:spPr>
+        <p:txBody>
+          <a:bodyPr wrap="none" rtlCol="0">
+            <a:spAutoFit/>
+          </a:bodyPr>
+          <a:lstStyle/>
+          <a:p>
+            <a:r>
+              <a:rPr lang="en-US" sz="1100" dirty="0"/>
+              <a:t>(Chemical sciences)</a:t>
+            </a:r>
+          </a:p>
+        </p:txBody>
+      </p:sp>
+      <p:sp>
+        <p:nvSpPr>
+          <p:cNvPr id="10" name="TextBox 9">
+            <a:extLst>
+              <a:ext uri="{FF2B5EF4-FFF2-40B4-BE49-F238E27FC236}">
+                <a16:creationId xmlns:a16="http://schemas.microsoft.com/office/drawing/2014/main" id="{7305CF9B-71A0-3749-A86F-0F1A32B77C78}"/>
+              </a:ext>
+            </a:extLst>
+          </p:cNvPr>
+          <p:cNvSpPr txBox="1"/>
+          <p:nvPr/>
+        </p:nvSpPr>
+        <p:spPr>
+          <a:xfrm>
+            <a:off x="6624320" y="3731240"/>
+            <a:ext cx="2444900" cy="261610"/>
+          </a:xfrm>
+          <a:prstGeom prst="rect">
+            <a:avLst/>
+          </a:prstGeom>
+          <a:noFill/>
+        </p:spPr>
+        <p:txBody>
+          <a:bodyPr wrap="none" rtlCol="0">
+            <a:spAutoFit/>
+          </a:bodyPr>
+          <a:lstStyle/>
+          <a:p>
+            <a:r>
+              <a:rPr lang="en-US" sz="1100" dirty="0"/>
+              <a:t>(Experimental and clinical medicine)</a:t>
+            </a:r>
+          </a:p>
+        </p:txBody>
+      </p:sp>
+    </p:spTree>
+    <p:extLst>
+      <p:ext uri="{BB962C8B-B14F-4D97-AF65-F5344CB8AC3E}">
+        <p14:creationId xmlns:p14="http://schemas.microsoft.com/office/powerpoint/2010/main" val="471280377"/>
+      </p:ext>
+    </p:extLst>
+  </p:cSld>
+  <p:clrMapOvr>
+    <a:masterClrMapping/>
+  </p:clrMapOvr>
+</p:sld>
+</file>
+
+<file path=ppt/slides/slide9.xml><?xml version="1.0" encoding="utf-8"?>
+<p:sld xmlns:a="http://schemas.openxmlformats.org/drawingml/2006/main" xmlns:r="http://schemas.openxmlformats.org/officeDocument/2006/relationships" xmlns:p="http://schemas.openxmlformats.org/presentationml/2006/main">
+  <p:cSld>
+    <p:spTree>
+      <p:nvGrpSpPr>
+        <p:cNvPr id="1" name=""/>
+        <p:cNvGrpSpPr/>
+        <p:nvPr/>
+      </p:nvGrpSpPr>
+      <p:grpSpPr>
+        <a:xfrm>
+          <a:off x="0" y="0"/>
+          <a:ext cx="0" cy="0"/>
+          <a:chOff x="0" y="0"/>
+          <a:chExt cx="0" cy="0"/>
+        </a:xfrm>
+      </p:grpSpPr>
+      <p:sp>
+        <p:nvSpPr>
           <p:cNvPr id="2" name="Title 1">
             <a:extLst>
               <a:ext uri="{FF2B5EF4-FFF2-40B4-BE49-F238E27FC236}">
@@ -14603,7 +15453,7 @@
           <a:p>
             <a:r>
               <a:rPr lang="de-DE" dirty="0"/>
-              <a:t>22-06-18</a:t>
+              <a:t>25-06-18</a:t>
             </a:r>
           </a:p>
         </p:txBody>
@@ -14884,61 +15734,6 @@
       <p:bldP spid="3" grpId="0" build="p"/>
     </p:bldLst>
   </p:timing>
-</p:sld>
-</file>
-
-<file path=ppt/slides/slide9.xml><?xml version="1.0" encoding="utf-8"?>
-<p:sld xmlns:a="http://schemas.openxmlformats.org/drawingml/2006/main" xmlns:r="http://schemas.openxmlformats.org/officeDocument/2006/relationships" xmlns:p="http://schemas.openxmlformats.org/presentationml/2006/main">
-  <p:cSld>
-    <p:spTree>
-      <p:nvGrpSpPr>
-        <p:cNvPr id="1" name=""/>
-        <p:cNvGrpSpPr/>
-        <p:nvPr/>
-      </p:nvGrpSpPr>
-      <p:grpSpPr>
-        <a:xfrm>
-          <a:off x="0" y="0"/>
-          <a:ext cx="0" cy="0"/>
-          <a:chOff x="0" y="0"/>
-          <a:chExt cx="0" cy="0"/>
-        </a:xfrm>
-      </p:grpSpPr>
-      <p:sp>
-        <p:nvSpPr>
-          <p:cNvPr id="2" name="Text Placeholder 1">
-            <a:extLst>
-              <a:ext uri="{FF2B5EF4-FFF2-40B4-BE49-F238E27FC236}">
-                <a16:creationId xmlns:a16="http://schemas.microsoft.com/office/drawing/2014/main" id="{61F0712D-753F-784C-8BF4-D5742C910C0A}"/>
-              </a:ext>
-            </a:extLst>
-          </p:cNvPr>
-          <p:cNvSpPr>
-            <a:spLocks noGrp="1"/>
-          </p:cNvSpPr>
-          <p:nvPr>
-            <p:ph type="body" sz="quarter" idx="14"/>
-          </p:nvPr>
-        </p:nvSpPr>
-        <p:spPr/>
-        <p:txBody>
-          <a:bodyPr/>
-          <a:lstStyle/>
-          <a:p>
-            <a:endParaRPr lang="en-US" dirty="0"/>
-          </a:p>
-        </p:txBody>
-      </p:sp>
-    </p:spTree>
-    <p:extLst>
-      <p:ext uri="{BB962C8B-B14F-4D97-AF65-F5344CB8AC3E}">
-        <p14:creationId xmlns:p14="http://schemas.microsoft.com/office/powerpoint/2010/main" val="66019263"/>
-      </p:ext>
-    </p:extLst>
-  </p:cSld>
-  <p:clrMapOvr>
-    <a:masterClrMapping/>
-  </p:clrMapOvr>
 </p:sld>
 </file>
 
